--- a/teaching/expdes/lectures/week2.pptx
+++ b/teaching/expdes/lectures/week2.pptx
@@ -5,7 +5,7 @@
     <p:sldMasterId id="2147483648" r:id="rId1"/>
   </p:sldMasterIdLst>
   <p:notesMasterIdLst>
-    <p:notesMasterId r:id="rId28"/>
+    <p:notesMasterId r:id="rId29"/>
   </p:notesMasterIdLst>
   <p:sldIdLst>
     <p:sldId id="256" r:id="rId2"/>
@@ -34,6 +34,7 @@
     <p:sldId id="290" r:id="rId25"/>
     <p:sldId id="279" r:id="rId26"/>
     <p:sldId id="291" r:id="rId27"/>
+    <p:sldId id="300" r:id="rId28"/>
   </p:sldIdLst>
   <p:sldSz cx="12192000" cy="6858000"/>
   <p:notesSz cx="6858000" cy="9144000"/>
@@ -222,7 +223,7 @@
           <a:p>
             <a:fld id="{4F19B4D1-0A28-FA4A-9134-5F79B138F3AC}" type="datetimeFigureOut">
               <a:rPr lang="en-US" smtClean="0"/>
-              <a:t>12/15/20</a:t>
+              <a:t>12/17/20</a:t>
             </a:fld>
             <a:endParaRPr lang="en-US"/>
           </a:p>
@@ -702,7 +703,7 @@
           <a:p>
             <a:fld id="{2B908699-CE29-634D-83B5-1061B2BD35A6}" type="datetimeFigureOut">
               <a:rPr lang="en-US" smtClean="0"/>
-              <a:t>12/15/20</a:t>
+              <a:t>12/17/20</a:t>
             </a:fld>
             <a:endParaRPr lang="en-US" dirty="0"/>
           </a:p>
@@ -870,7 +871,7 @@
           <a:p>
             <a:fld id="{2B908699-CE29-634D-83B5-1061B2BD35A6}" type="datetimeFigureOut">
               <a:rPr lang="en-US" smtClean="0"/>
-              <a:t>12/15/20</a:t>
+              <a:t>12/17/20</a:t>
             </a:fld>
             <a:endParaRPr lang="en-US" dirty="0"/>
           </a:p>
@@ -1048,7 +1049,7 @@
           <a:p>
             <a:fld id="{2B908699-CE29-634D-83B5-1061B2BD35A6}" type="datetimeFigureOut">
               <a:rPr lang="en-US" smtClean="0"/>
-              <a:t>12/15/20</a:t>
+              <a:t>12/17/20</a:t>
             </a:fld>
             <a:endParaRPr lang="en-US" dirty="0"/>
           </a:p>
@@ -1216,7 +1217,7 @@
           <a:p>
             <a:fld id="{2B908699-CE29-634D-83B5-1061B2BD35A6}" type="datetimeFigureOut">
               <a:rPr lang="en-US" smtClean="0"/>
-              <a:t>12/15/20</a:t>
+              <a:t>12/17/20</a:t>
             </a:fld>
             <a:endParaRPr lang="en-US" dirty="0"/>
           </a:p>
@@ -1461,7 +1462,7 @@
           <a:p>
             <a:fld id="{2B908699-CE29-634D-83B5-1061B2BD35A6}" type="datetimeFigureOut">
               <a:rPr lang="en-US" smtClean="0"/>
-              <a:t>12/15/20</a:t>
+              <a:t>12/17/20</a:t>
             </a:fld>
             <a:endParaRPr lang="en-US" dirty="0"/>
           </a:p>
@@ -1690,7 +1691,7 @@
           <a:p>
             <a:fld id="{2B908699-CE29-634D-83B5-1061B2BD35A6}" type="datetimeFigureOut">
               <a:rPr lang="en-US" smtClean="0"/>
-              <a:t>12/15/20</a:t>
+              <a:t>12/17/20</a:t>
             </a:fld>
             <a:endParaRPr lang="en-US" dirty="0"/>
           </a:p>
@@ -2054,7 +2055,7 @@
           <a:p>
             <a:fld id="{2B908699-CE29-634D-83B5-1061B2BD35A6}" type="datetimeFigureOut">
               <a:rPr lang="en-US" smtClean="0"/>
-              <a:t>12/15/20</a:t>
+              <a:t>12/17/20</a:t>
             </a:fld>
             <a:endParaRPr lang="en-US" dirty="0"/>
           </a:p>
@@ -2171,7 +2172,7 @@
           <a:p>
             <a:fld id="{2B908699-CE29-634D-83B5-1061B2BD35A6}" type="datetimeFigureOut">
               <a:rPr lang="en-US" smtClean="0"/>
-              <a:t>12/15/20</a:t>
+              <a:t>12/17/20</a:t>
             </a:fld>
             <a:endParaRPr lang="en-US" dirty="0"/>
           </a:p>
@@ -2266,7 +2267,7 @@
           <a:p>
             <a:fld id="{2B908699-CE29-634D-83B5-1061B2BD35A6}" type="datetimeFigureOut">
               <a:rPr lang="en-US" smtClean="0"/>
-              <a:t>12/15/20</a:t>
+              <a:t>12/17/20</a:t>
             </a:fld>
             <a:endParaRPr lang="en-US" dirty="0"/>
           </a:p>
@@ -2541,7 +2542,7 @@
           <a:p>
             <a:fld id="{2B908699-CE29-634D-83B5-1061B2BD35A6}" type="datetimeFigureOut">
               <a:rPr lang="en-US" smtClean="0"/>
-              <a:t>12/15/20</a:t>
+              <a:t>12/17/20</a:t>
             </a:fld>
             <a:endParaRPr lang="en-US" dirty="0"/>
           </a:p>
@@ -2793,7 +2794,7 @@
           <a:p>
             <a:fld id="{2B908699-CE29-634D-83B5-1061B2BD35A6}" type="datetimeFigureOut">
               <a:rPr lang="en-US" smtClean="0"/>
-              <a:t>12/15/20</a:t>
+              <a:t>12/17/20</a:t>
             </a:fld>
             <a:endParaRPr lang="en-US" dirty="0"/>
           </a:p>
@@ -3004,7 +3005,7 @@
           <a:p>
             <a:fld id="{2B908699-CE29-634D-83B5-1061B2BD35A6}" type="datetimeFigureOut">
               <a:rPr lang="en-US" smtClean="0"/>
-              <a:t>12/15/20</a:t>
+              <a:t>12/17/20</a:t>
             </a:fld>
             <a:endParaRPr lang="en-US" dirty="0"/>
           </a:p>
@@ -6867,7 +6868,7 @@
         <p:spPr>
           <a:xfrm>
             <a:off x="195431" y="1166842"/>
-            <a:ext cx="11801138" cy="4031873"/>
+            <a:ext cx="11801138" cy="2062103"/>
           </a:xfrm>
           <a:prstGeom prst="rect">
             <a:avLst/>
@@ -6884,52 +6885,8 @@
               <a:buChar char="•"/>
             </a:pPr>
             <a:r>
-              <a:rPr lang="en-US" sz="3200" dirty="0" err="1"/>
-              <a:t>Homeworks</a:t>
-            </a:r>
-            <a:r>
               <a:rPr lang="en-US" sz="3200" dirty="0"/>
-              <a:t>:</a:t>
-            </a:r>
-          </a:p>
-          <a:p>
-            <a:pPr marL="1028700" lvl="1" indent="-571500" fontAlgn="base">
-              <a:buFont typeface="Arial" charset="0"/>
-              <a:buChar char="•"/>
-            </a:pPr>
-            <a:r>
-              <a:rPr lang="en-US" sz="3200" dirty="0"/>
-              <a:t>filename: </a:t>
-            </a:r>
-          </a:p>
-          <a:p>
-            <a:pPr marL="1485900" lvl="2" indent="-571500" fontAlgn="base">
-              <a:buFont typeface="Arial" charset="0"/>
-              <a:buChar char="•"/>
-            </a:pPr>
-            <a:r>
-              <a:rPr lang="en-US" sz="3200" i="1" dirty="0"/>
-              <a:t>blackmon.hw1.doc</a:t>
-            </a:r>
-          </a:p>
-          <a:p>
-            <a:pPr marL="1028700" lvl="1" indent="-571500" fontAlgn="base">
-              <a:buFont typeface="Arial" charset="0"/>
-              <a:buChar char="•"/>
-            </a:pPr>
-            <a:r>
-              <a:rPr lang="en-US" sz="3200" dirty="0"/>
-              <a:t>numbers matter – I can’t search and intuit your answers</a:t>
-            </a:r>
-          </a:p>
-          <a:p>
-            <a:pPr marL="1028700" lvl="1" indent="-571500" fontAlgn="base">
-              <a:buFont typeface="Arial" charset="0"/>
-              <a:buChar char="•"/>
-            </a:pPr>
-            <a:r>
-              <a:rPr lang="en-US" sz="3200" dirty="0"/>
-              <a:t>I will deduct for excessive length</a:t>
+              <a:t>swirl?</a:t>
             </a:r>
           </a:p>
           <a:p>
@@ -8733,6 +8690,245 @@
 </p:sld>
 </file>
 
+<file path=ppt/slides/slide27.xml><?xml version="1.0" encoding="utf-8"?>
+<p:sld xmlns:a="http://schemas.openxmlformats.org/drawingml/2006/main" xmlns:r="http://schemas.openxmlformats.org/officeDocument/2006/relationships" xmlns:p="http://schemas.openxmlformats.org/presentationml/2006/main">
+  <p:cSld>
+    <p:spTree>
+      <p:nvGrpSpPr>
+        <p:cNvPr id="1" name=""/>
+        <p:cNvGrpSpPr/>
+        <p:nvPr/>
+      </p:nvGrpSpPr>
+      <p:grpSpPr>
+        <a:xfrm>
+          <a:off x="0" y="0"/>
+          <a:ext cx="0" cy="0"/>
+          <a:chOff x="0" y="0"/>
+          <a:chExt cx="0" cy="0"/>
+        </a:xfrm>
+      </p:grpSpPr>
+      <p:sp>
+        <p:nvSpPr>
+          <p:cNvPr id="2" name="Title 1"/>
+          <p:cNvSpPr>
+            <a:spLocks noGrp="1"/>
+          </p:cNvSpPr>
+          <p:nvPr>
+            <p:ph type="title"/>
+          </p:nvPr>
+        </p:nvSpPr>
+        <p:spPr>
+          <a:xfrm>
+            <a:off x="0" y="0"/>
+            <a:ext cx="12192000" cy="935915"/>
+          </a:xfrm>
+          <a:solidFill>
+            <a:schemeClr val="tx1"/>
+          </a:solidFill>
+        </p:spPr>
+        <p:txBody>
+          <a:bodyPr>
+            <a:normAutofit/>
+          </a:bodyPr>
+          <a:lstStyle/>
+          <a:p>
+            <a:pPr algn="ctr"/>
+            <a:r>
+              <a:rPr lang="en-US" b="1" dirty="0">
+                <a:solidFill>
+                  <a:schemeClr val="bg1"/>
+                </a:solidFill>
+              </a:rPr>
+              <a:t>Thursday</a:t>
+            </a:r>
+          </a:p>
+        </p:txBody>
+      </p:sp>
+      <p:sp>
+        <p:nvSpPr>
+          <p:cNvPr id="6" name="Rectangle 5"/>
+          <p:cNvSpPr/>
+          <p:nvPr/>
+        </p:nvSpPr>
+        <p:spPr>
+          <a:xfrm>
+            <a:off x="242170" y="1086291"/>
+            <a:ext cx="11519770" cy="584775"/>
+          </a:xfrm>
+          <a:prstGeom prst="rect">
+            <a:avLst/>
+          </a:prstGeom>
+        </p:spPr>
+        <p:txBody>
+          <a:bodyPr wrap="square">
+            <a:spAutoFit/>
+          </a:bodyPr>
+          <a:lstStyle/>
+          <a:p>
+            <a:pPr marL="514350" indent="-514350" fontAlgn="base">
+              <a:buFont typeface="+mj-lt"/>
+              <a:buAutoNum type="arabicPeriod"/>
+            </a:pPr>
+            <a:r>
+              <a:rPr lang="en-US" sz="3200" dirty="0"/>
+              <a:t>Demo R</a:t>
+            </a:r>
+            <a:endParaRPr lang="en-US" sz="3200" dirty="0">
+              <a:solidFill>
+                <a:srgbClr val="C00000"/>
+              </a:solidFill>
+            </a:endParaRPr>
+          </a:p>
+        </p:txBody>
+      </p:sp>
+      <p:sp>
+        <p:nvSpPr>
+          <p:cNvPr id="3" name="TextBox 2">
+            <a:extLst>
+              <a:ext uri="{FF2B5EF4-FFF2-40B4-BE49-F238E27FC236}">
+                <a16:creationId xmlns:a16="http://schemas.microsoft.com/office/drawing/2014/main" id="{EA5370BC-2F40-B04A-9D53-A69486845990}"/>
+              </a:ext>
+            </a:extLst>
+          </p:cNvPr>
+          <p:cNvSpPr txBox="1"/>
+          <p:nvPr/>
+        </p:nvSpPr>
+        <p:spPr>
+          <a:xfrm>
+            <a:off x="363415" y="2168769"/>
+            <a:ext cx="9322617" cy="4524315"/>
+          </a:xfrm>
+          <a:prstGeom prst="rect">
+            <a:avLst/>
+          </a:prstGeom>
+          <a:noFill/>
+        </p:spPr>
+        <p:txBody>
+          <a:bodyPr wrap="none" rtlCol="0">
+            <a:spAutoFit/>
+          </a:bodyPr>
+          <a:lstStyle/>
+          <a:p>
+            <a:r>
+              <a:rPr lang="en-US" dirty="0"/>
+              <a:t>Homework 2: </a:t>
+            </a:r>
+          </a:p>
+          <a:p>
+            <a:r>
+              <a:rPr lang="en-US" dirty="0"/>
+              <a:t>Create a vector of 1000 normally distributed values with a mean of 5.7 and a </a:t>
+            </a:r>
+            <a:r>
+              <a:rPr lang="en-US" dirty="0" err="1"/>
+              <a:t>sd</a:t>
+            </a:r>
+            <a:r>
+              <a:rPr lang="en-US" dirty="0"/>
+              <a:t> of .2</a:t>
+            </a:r>
+          </a:p>
+          <a:p>
+            <a:r>
+              <a:rPr lang="en-US" dirty="0"/>
+              <a:t>Calculate the mean of a sample of 50 values and calculate the confidence interval of your sample.</a:t>
+            </a:r>
+          </a:p>
+          <a:p>
+            <a:r>
+              <a:rPr lang="en-US" dirty="0"/>
+              <a:t>Q1 true mean</a:t>
+            </a:r>
+          </a:p>
+          <a:p>
+            <a:r>
+              <a:rPr lang="en-US" dirty="0"/>
+              <a:t>Q2 confidence interval on first try</a:t>
+            </a:r>
+          </a:p>
+          <a:p>
+            <a:r>
+              <a:rPr lang="en-US" dirty="0"/>
+              <a:t>Q3 confidence interval on second try</a:t>
+            </a:r>
+          </a:p>
+          <a:p>
+            <a:endParaRPr lang="en-US" dirty="0"/>
+          </a:p>
+          <a:p>
+            <a:r>
+              <a:rPr lang="en-US" dirty="0"/>
+              <a:t>Create a vector of 1000 normally distributed values with a mean of 5.7 and a </a:t>
+            </a:r>
+            <a:r>
+              <a:rPr lang="en-US" dirty="0" err="1"/>
+              <a:t>sd</a:t>
+            </a:r>
+            <a:r>
+              <a:rPr lang="en-US" dirty="0"/>
+              <a:t> of 2</a:t>
+            </a:r>
+          </a:p>
+          <a:p>
+            <a:r>
+              <a:rPr lang="en-US" dirty="0"/>
+              <a:t>Calculate the mean of a sample of 50 values and calculate the confidence interval of your sample.</a:t>
+            </a:r>
+          </a:p>
+          <a:p>
+            <a:r>
+              <a:rPr lang="en-US" dirty="0"/>
+              <a:t>Q4 true mean</a:t>
+            </a:r>
+          </a:p>
+          <a:p>
+            <a:r>
+              <a:rPr lang="en-US" dirty="0"/>
+              <a:t>Q5 confidence interval on first try</a:t>
+            </a:r>
+          </a:p>
+          <a:p>
+            <a:r>
+              <a:rPr lang="en-US" dirty="0"/>
+              <a:t>Q6 confidence interval on second try</a:t>
+            </a:r>
+          </a:p>
+          <a:p>
+            <a:endParaRPr lang="en-US" dirty="0"/>
+          </a:p>
+          <a:p>
+            <a:r>
+              <a:rPr lang="en-US" dirty="0"/>
+              <a:t>Q7 make a histogram of the first population </a:t>
+            </a:r>
+          </a:p>
+          <a:p>
+            <a:r>
+              <a:rPr lang="en-US" dirty="0"/>
+              <a:t>Q8 make a histogram of the second population</a:t>
+            </a:r>
+          </a:p>
+          <a:p>
+            <a:r>
+              <a:rPr lang="en-US" dirty="0"/>
+              <a:t>Enter answers on blackboard</a:t>
+            </a:r>
+          </a:p>
+        </p:txBody>
+      </p:sp>
+    </p:spTree>
+    <p:extLst>
+      <p:ext uri="{BB962C8B-B14F-4D97-AF65-F5344CB8AC3E}">
+        <p14:creationId xmlns:p14="http://schemas.microsoft.com/office/powerpoint/2010/main" val="1792605510"/>
+      </p:ext>
+    </p:extLst>
+  </p:cSld>
+  <p:clrMapOvr>
+    <a:masterClrMapping/>
+  </p:clrMapOvr>
+</p:sld>
+</file>
+
 <file path=ppt/slides/slide3.xml><?xml version="1.0" encoding="utf-8"?>
 <p:sld xmlns:a="http://schemas.openxmlformats.org/drawingml/2006/main" xmlns:r="http://schemas.openxmlformats.org/officeDocument/2006/relationships" xmlns:p="http://schemas.openxmlformats.org/presentationml/2006/main">
   <p:cSld>
